--- a/Presentation-DL.pptx
+++ b/Presentation-DL.pptx
@@ -29,11 +29,10 @@
     <p:sldId id="267" r:id="rId23"/>
     <p:sldId id="268" r:id="rId24"/>
     <p:sldId id="272" r:id="rId25"/>
-    <p:sldId id="273" r:id="rId26"/>
-    <p:sldId id="275" r:id="rId27"/>
-    <p:sldId id="276" r:id="rId28"/>
-    <p:sldId id="269" r:id="rId29"/>
-    <p:sldId id="287" r:id="rId30"/>
+    <p:sldId id="275" r:id="rId26"/>
+    <p:sldId id="276" r:id="rId27"/>
+    <p:sldId id="269" r:id="rId28"/>
+    <p:sldId id="287" r:id="rId29"/>
   </p:sldIdLst>
   <p:sldSz cx="9144000" cy="6858000" type="screen4x3"/>
   <p:notesSz cx="6858000" cy="9144000"/>
@@ -323,7 +322,7 @@
           <a:p>
             <a:fld id="{C8A432C8-69A7-458B-9684-2BFA64B31948}" type="datetime2">
               <a:rPr lang="en-US" smtClean="0"/>
-              <a:t>Saturday, 17 March 18</a:t>
+              <a:t>Sunday, 18 March 18</a:t>
             </a:fld>
             <a:endParaRPr lang="en-US"/>
           </a:p>
@@ -525,7 +524,7 @@
           <a:p>
             <a:fld id="{8CC057FC-95B6-4D89-AFDA-ABA33EE921E5}" type="datetime2">
               <a:rPr lang="en-US" smtClean="0"/>
-              <a:t>Saturday, 17 March 18</a:t>
+              <a:t>Sunday, 18 March 18</a:t>
             </a:fld>
             <a:endParaRPr lang="en-US"/>
           </a:p>
@@ -702,7 +701,7 @@
           <a:p>
             <a:fld id="{EC4549AC-EB31-477F-92A9-B1988E232878}" type="datetime2">
               <a:rPr lang="en-US" smtClean="0"/>
-              <a:t>Saturday, 17 March 18</a:t>
+              <a:t>Sunday, 18 March 18</a:t>
             </a:fld>
             <a:endParaRPr lang="en-US"/>
           </a:p>
@@ -869,7 +868,7 @@
           <a:p>
             <a:fld id="{6396A3A3-94A6-4E5B-AF39-173ACA3E61CC}" type="datetime2">
               <a:rPr lang="en-US" smtClean="0"/>
-              <a:t>Saturday, 17 March 18</a:t>
+              <a:t>Sunday, 18 March 18</a:t>
             </a:fld>
             <a:endParaRPr lang="en-US"/>
           </a:p>
@@ -1119,7 +1118,7 @@
           <a:p>
             <a:fld id="{9933D019-A32C-4EAD-B8E6-DBDA699692FD}" type="datetime2">
               <a:rPr lang="en-US" smtClean="0"/>
-              <a:t>Saturday, 17 March 18</a:t>
+              <a:t>Sunday, 18 March 18</a:t>
             </a:fld>
             <a:endParaRPr lang="en-US"/>
           </a:p>
@@ -1439,7 +1438,7 @@
           <a:p>
             <a:fld id="{CCEBA98F-560C-4997-81C4-81D4D9187EAB}" type="datetime2">
               <a:rPr lang="en-US" smtClean="0"/>
-              <a:t>Saturday, 17 March 18</a:t>
+              <a:t>Sunday, 18 March 18</a:t>
             </a:fld>
             <a:endParaRPr lang="en-US"/>
           </a:p>
@@ -1907,7 +1906,7 @@
           <a:p>
             <a:fld id="{150972B2-CA5C-437D-87D0-8081271A9E4B}" type="datetime2">
               <a:rPr lang="en-US" smtClean="0"/>
-              <a:t>Saturday, 17 March 18</a:t>
+              <a:t>Sunday, 18 March 18</a:t>
             </a:fld>
             <a:endParaRPr lang="en-US"/>
           </a:p>
@@ -2057,7 +2056,7 @@
           <a:p>
             <a:fld id="{79CD4847-11EF-4466-A8AD-85CDB7B49118}" type="datetime2">
               <a:rPr lang="en-US" smtClean="0"/>
-              <a:t>Saturday, 17 March 18</a:t>
+              <a:t>Sunday, 18 March 18</a:t>
             </a:fld>
             <a:endParaRPr lang="en-US"/>
           </a:p>
@@ -2149,7 +2148,7 @@
           <a:p>
             <a:fld id="{F168457A-3AB9-4880-8A0C-9F8524491207}" type="datetime2">
               <a:rPr lang="en-US" smtClean="0"/>
-              <a:t>Saturday, 17 March 18</a:t>
+              <a:t>Sunday, 18 March 18</a:t>
             </a:fld>
             <a:endParaRPr lang="en-US"/>
           </a:p>
@@ -2425,7 +2424,7 @@
           <a:p>
             <a:fld id="{3FE976D3-5B7F-4300-ABED-C91F1B2AE209}" type="datetime2">
               <a:rPr lang="en-US" smtClean="0"/>
-              <a:t>Saturday, 17 March 18</a:t>
+              <a:t>Sunday, 18 March 18</a:t>
             </a:fld>
             <a:endParaRPr lang="en-US"/>
           </a:p>
@@ -2732,7 +2731,7 @@
           <a:p>
             <a:fld id="{EBDC1E59-17DD-41CE-97CA-624A472382D4}" type="datetime2">
               <a:rPr lang="en-US" smtClean="0"/>
-              <a:t>Saturday, 17 March 18</a:t>
+              <a:t>Sunday, 18 March 18</a:t>
             </a:fld>
             <a:endParaRPr lang="en-US"/>
           </a:p>
@@ -3032,7 +3031,7 @@
           <a:p>
             <a:fld id="{A80CB818-7379-467D-8E76-EF9D9074A26C}" type="datetime2">
               <a:rPr lang="en-US" smtClean="0"/>
-              <a:t>Saturday, 17 March 18</a:t>
+              <a:t>Sunday, 18 March 18</a:t>
             </a:fld>
             <a:endParaRPr lang="en-US" dirty="0"/>
           </a:p>
@@ -4863,62 +4862,34 @@
       </p:grpSpPr>
       <p:pic>
         <p:nvPicPr>
-          <p:cNvPr id="8" name="Content Placeholder 7" descr="boxplot_models.png"/>
+          <p:cNvPr id="6" name="Picture 5" descr="ALL_boxplot.png"/>
           <p:cNvPicPr>
-            <a:picLocks noGrp="1" noChangeAspect="1"/>
+            <a:picLocks noChangeAspect="1"/>
           </p:cNvPicPr>
-          <p:nvPr>
-            <p:ph idx="1"/>
-          </p:nvPr>
+          <p:nvPr/>
         </p:nvPicPr>
-        <p:blipFill rotWithShape="1">
-          <a:blip r:embed="rId2">
+        <p:blipFill>
+          <a:blip r:embed="rId2" cstate="print">
             <a:extLst>
               <a:ext uri="{28A0092B-C50C-407E-A947-70E740481C1C}">
                 <a14:useLocalDpi xmlns:a14="http://schemas.microsoft.com/office/drawing/2010/main" val="0"/>
               </a:ext>
             </a:extLst>
           </a:blip>
-          <a:srcRect l="17268" t="5941" r="18781" b="6770"/>
-          <a:stretch/>
+          <a:stretch>
+            <a:fillRect/>
+          </a:stretch>
         </p:blipFill>
         <p:spPr>
           <a:xfrm>
-            <a:off x="1009837" y="1093170"/>
-            <a:ext cx="7134037" cy="5526705"/>
-          </a:xfrm>
-        </p:spPr>
-      </p:pic>
-      <p:sp>
-        <p:nvSpPr>
-          <p:cNvPr id="9" name="TextBox 8"/>
-          <p:cNvSpPr txBox="1"/>
-          <p:nvPr/>
-        </p:nvSpPr>
-        <p:spPr>
-          <a:xfrm>
-            <a:off x="550821" y="703776"/>
-            <a:ext cx="7986894" cy="461665"/>
+            <a:off x="444499" y="385576"/>
+            <a:ext cx="8239125" cy="6472423"/>
           </a:xfrm>
           <a:prstGeom prst="rect">
             <a:avLst/>
           </a:prstGeom>
-          <a:noFill/>
         </p:spPr>
-        <p:txBody>
-          <a:bodyPr wrap="square" rtlCol="0">
-            <a:spAutoFit/>
-          </a:bodyPr>
-          <a:lstStyle/>
-          <a:p>
-            <a:r>
-              <a:rPr lang="en-US" sz="2400" dirty="0" smtClean="0"/>
-              <a:t>Boxplot for Train on 10 with two models</a:t>
-            </a:r>
-            <a:endParaRPr lang="en-US" sz="2400" dirty="0"/>
-          </a:p>
-        </p:txBody>
-      </p:sp>
+      </p:pic>
     </p:spTree>
     <p:extLst>
       <p:ext uri="{BB962C8B-B14F-4D97-AF65-F5344CB8AC3E}">
@@ -5462,13 +5433,13 @@
             <p:ph idx="1"/>
             <p:extLst>
               <p:ext uri="{D42A27DB-BD31-4B8C-83A1-F6EECF244321}">
-                <p14:modId xmlns:p14="http://schemas.microsoft.com/office/powerpoint/2010/main" val="472338702"/>
+                <p14:modId xmlns:p14="http://schemas.microsoft.com/office/powerpoint/2010/main" val="48016863"/>
               </p:ext>
             </p:extLst>
           </p:nvPr>
         </p:nvGraphicFramePr>
         <p:xfrm>
-          <a:off x="457200" y="2636222"/>
+          <a:off x="457199" y="3477694"/>
           <a:ext cx="8229600" cy="2225040"/>
         </p:xfrm>
         <a:graphic>
@@ -5890,14 +5861,14 @@
       </p:graphicFrame>
       <p:sp>
         <p:nvSpPr>
-          <p:cNvPr id="7" name="TextBox 6"/>
+          <p:cNvPr id="3" name="TextBox 2"/>
           <p:cNvSpPr txBox="1"/>
           <p:nvPr/>
         </p:nvSpPr>
         <p:spPr>
           <a:xfrm>
-            <a:off x="457199" y="1729094"/>
-            <a:ext cx="8065215" cy="379591"/>
+            <a:off x="576253" y="1812008"/>
+            <a:ext cx="8364547" cy="1364476"/>
           </a:xfrm>
           <a:prstGeom prst="rect">
             <a:avLst/>
@@ -5911,26 +5882,37 @@
           <a:lstStyle/>
           <a:p>
             <a:r>
-              <a:rPr lang="en-US" sz="2800" baseline="30000" dirty="0" smtClean="0"/>
-              <a:t>Two </a:t>
+              <a:rPr lang="en-US" sz="3200" baseline="30000" dirty="0"/>
+              <a:t>Two hidden layers with 64 units each, and </a:t>
             </a:r>
             <a:r>
-              <a:rPr lang="en-US" sz="2800" baseline="30000" dirty="0"/>
-              <a:t>hidden layers with 64 units each, and </a:t>
-            </a:r>
-            <a:r>
-              <a:rPr lang="en-US" sz="2800" baseline="30000" dirty="0" err="1"/>
+              <a:rPr lang="en-US" sz="3200" baseline="30000" dirty="0" err="1"/>
               <a:t>ReLU</a:t>
             </a:r>
             <a:r>
-              <a:rPr lang="en-US" sz="2800" baseline="30000" dirty="0"/>
-              <a:t> activation </a:t>
+              <a:rPr lang="en-US" sz="3200" baseline="30000" dirty="0"/>
+              <a:t> activation functions.</a:t>
+            </a:r>
+            <a:endParaRPr lang="en-US" sz="3200" dirty="0"/>
+          </a:p>
+          <a:p>
+            <a:r>
+              <a:rPr lang="en-US" sz="2000" dirty="0" smtClean="0"/>
+              <a:t>Randomized </a:t>
             </a:r>
             <a:r>
-              <a:rPr lang="en-US" sz="2800" baseline="30000" dirty="0" smtClean="0"/>
-              <a:t>functions</a:t>
+              <a:rPr lang="en-US" sz="2000" dirty="0" err="1" smtClean="0"/>
+              <a:t>hyperparameter</a:t>
             </a:r>
-            <a:endParaRPr lang="en-US" sz="2800" dirty="0"/>
+            <a:r>
+              <a:rPr lang="en-US" sz="2000" dirty="0" smtClean="0"/>
+              <a:t> search is done for 10 models for each </a:t>
+            </a:r>
+            <a:r>
+              <a:rPr lang="en-US" sz="2000" smtClean="0"/>
+              <a:t>regularization approach.</a:t>
+            </a:r>
+            <a:endParaRPr lang="en-US" sz="2000" dirty="0"/>
           </a:p>
         </p:txBody>
       </p:sp>
@@ -6458,106 +6440,6 @@
           <a:chExt cx="0" cy="0"/>
         </a:xfrm>
       </p:grpSpPr>
-      <p:sp>
-        <p:nvSpPr>
-          <p:cNvPr id="2" name="Title 1"/>
-          <p:cNvSpPr>
-            <a:spLocks noGrp="1"/>
-          </p:cNvSpPr>
-          <p:nvPr>
-            <p:ph type="title"/>
-          </p:nvPr>
-        </p:nvSpPr>
-        <p:spPr/>
-        <p:txBody>
-          <a:bodyPr>
-            <a:normAutofit fontScale="90000"/>
-          </a:bodyPr>
-          <a:lstStyle/>
-          <a:p>
-            <a:r>
-              <a:rPr lang="en-US" dirty="0" smtClean="0"/>
-              <a:t>RNN trained with random input length, predictions after 5</a:t>
-            </a:r>
-            <a:r>
-              <a:rPr lang="en-US" baseline="30000" dirty="0" smtClean="0"/>
-              <a:t>th</a:t>
-            </a:r>
-            <a:r>
-              <a:rPr lang="en-US" dirty="0" smtClean="0"/>
-              <a:t> epoch </a:t>
-            </a:r>
-            <a:endParaRPr lang="en-US" dirty="0"/>
-          </a:p>
-        </p:txBody>
-      </p:sp>
-      <p:pic>
-        <p:nvPicPr>
-          <p:cNvPr id="5" name="Content Placeholder 4" descr="MSE (Boxplot)_test_5.png"/>
-          <p:cNvPicPr>
-            <a:picLocks noGrp="1" noChangeAspect="1"/>
-          </p:cNvPicPr>
-          <p:nvPr>
-            <p:ph idx="1"/>
-          </p:nvPr>
-        </p:nvPicPr>
-        <p:blipFill>
-          <a:blip r:embed="rId2">
-            <a:extLst>
-              <a:ext uri="{28A0092B-C50C-407E-A947-70E740481C1C}">
-                <a14:useLocalDpi xmlns:a14="http://schemas.microsoft.com/office/drawing/2010/main" val="0"/>
-              </a:ext>
-            </a:extLst>
-          </a:blip>
-          <a:srcRect l="2111" r="2111"/>
-          <a:stretch>
-            <a:fillRect/>
-          </a:stretch>
-        </p:blipFill>
-        <p:spPr>
-          <a:xfrm>
-            <a:off x="168306" y="1524000"/>
-            <a:ext cx="8229600" cy="4876800"/>
-          </a:xfrm>
-        </p:spPr>
-      </p:pic>
-    </p:spTree>
-    <p:extLst>
-      <p:ext uri="{BB962C8B-B14F-4D97-AF65-F5344CB8AC3E}">
-        <p14:creationId xmlns:p14="http://schemas.microsoft.com/office/powerpoint/2010/main" val="3070813500"/>
-      </p:ext>
-    </p:extLst>
-  </p:cSld>
-  <p:clrMapOvr>
-    <a:masterClrMapping/>
-  </p:clrMapOvr>
-  <p:timing>
-    <p:tnLst>
-      <p:par>
-        <p:cTn xmlns:p14="http://schemas.microsoft.com/office/powerpoint/2010/main" id="1" dur="indefinite" restart="never" nodeType="tmRoot"/>
-      </p:par>
-    </p:tnLst>
-  </p:timing>
-</p:sld>
-</file>
-
-<file path=ppt/slides/slide26.xml><?xml version="1.0" encoding="utf-8"?>
-<p:sld xmlns:a="http://schemas.openxmlformats.org/drawingml/2006/main" xmlns:r="http://schemas.openxmlformats.org/officeDocument/2006/relationships" xmlns:p="http://schemas.openxmlformats.org/presentationml/2006/main">
-  <p:cSld>
-    <p:spTree>
-      <p:nvGrpSpPr>
-        <p:cNvPr id="1" name=""/>
-        <p:cNvGrpSpPr/>
-        <p:nvPr/>
-      </p:nvGrpSpPr>
-      <p:grpSpPr>
-        <a:xfrm>
-          <a:off x="0" y="0"/>
-          <a:ext cx="0" cy="0"/>
-          <a:chOff x="0" y="0"/>
-          <a:chExt cx="0" cy="0"/>
-        </a:xfrm>
-      </p:grpSpPr>
       <p:pic>
         <p:nvPicPr>
           <p:cNvPr id="4" name="Content Placeholder 3" descr="12_5_split_1.png"/>
@@ -6607,7 +6489,7 @@
 </p:sld>
 </file>
 
-<file path=ppt/slides/slide27.xml><?xml version="1.0" encoding="utf-8"?>
+<file path=ppt/slides/slide26.xml><?xml version="1.0" encoding="utf-8"?>
 <p:sld xmlns:a="http://schemas.openxmlformats.org/drawingml/2006/main" xmlns:r="http://schemas.openxmlformats.org/officeDocument/2006/relationships" xmlns:p="http://schemas.openxmlformats.org/presentationml/2006/main">
   <p:cSld>
     <p:spTree>
@@ -6675,7 +6557,7 @@
 </p:sld>
 </file>
 
-<file path=ppt/slides/slide28.xml><?xml version="1.0" encoding="utf-8"?>
+<file path=ppt/slides/slide27.xml><?xml version="1.0" encoding="utf-8"?>
 <p:sld xmlns:a="http://schemas.openxmlformats.org/drawingml/2006/main" xmlns:r="http://schemas.openxmlformats.org/officeDocument/2006/relationships" xmlns:p="http://schemas.openxmlformats.org/presentationml/2006/main">
   <p:cSld>
     <p:spTree>
@@ -6762,7 +6644,7 @@
 </p:sld>
 </file>
 
-<file path=ppt/slides/slide29.xml><?xml version="1.0" encoding="utf-8"?>
+<file path=ppt/slides/slide28.xml><?xml version="1.0" encoding="utf-8"?>
 <p:sld xmlns:a="http://schemas.openxmlformats.org/drawingml/2006/main" xmlns:r="http://schemas.openxmlformats.org/officeDocument/2006/relationships" xmlns:p="http://schemas.openxmlformats.org/presentationml/2006/main">
   <p:cSld>
     <p:spTree>
@@ -9007,11 +8889,7 @@
                     <a:p>
                       <a:r>
                         <a:rPr lang="en-US" sz="1000" dirty="0" smtClean="0"/>
-                        <a:t>L1</a:t>
-                      </a:r>
-                      <a:r>
-                        <a:rPr lang="en-US" sz="1000" dirty="0" smtClean="0"/>
-                        <a:t>-Decay</a:t>
+                        <a:t>L1-Decay</a:t>
                       </a:r>
                       <a:endParaRPr lang="en-US" sz="1000" dirty="0"/>
                     </a:p>
@@ -9161,11 +9039,7 @@
                     <a:p>
                       <a:r>
                         <a:rPr lang="en-US" sz="1000" dirty="0" smtClean="0"/>
-                        <a:t>L2</a:t>
-                      </a:r>
-                      <a:r>
-                        <a:rPr lang="en-US" sz="1000" dirty="0" smtClean="0"/>
-                        <a:t>-Decay</a:t>
+                        <a:t>L2-Decay</a:t>
                       </a:r>
                       <a:endParaRPr lang="en-US" sz="1000" dirty="0"/>
                     </a:p>
@@ -9470,7 +9344,6 @@
                         <a:rPr lang="en-US" sz="1000" baseline="0" dirty="0" smtClean="0"/>
                         <a:t>L1-Noise-Decay</a:t>
                       </a:r>
-                      <a:endParaRPr lang="en-US" sz="1000" baseline="0" dirty="0" smtClean="0"/>
                     </a:p>
                   </a:txBody>
                   <a:tcPr/>
@@ -9636,7 +9509,6 @@
                         <a:rPr lang="en-US" sz="1000" baseline="0" dirty="0" smtClean="0"/>
                         <a:t>L2-Noise-Decay</a:t>
                       </a:r>
-                      <a:endParaRPr lang="en-US" sz="1000" baseline="0" dirty="0" smtClean="0"/>
                     </a:p>
                   </a:txBody>
                   <a:tcPr/>
@@ -11338,11 +11210,7 @@
                     <a:p>
                       <a:r>
                         <a:rPr lang="en-US" sz="1000" dirty="0" smtClean="0"/>
-                        <a:t>L1</a:t>
-                      </a:r>
-                      <a:r>
-                        <a:rPr lang="en-US" sz="1000" dirty="0" smtClean="0"/>
-                        <a:t>-Decay</a:t>
+                        <a:t>L1-Decay</a:t>
                       </a:r>
                       <a:endParaRPr lang="en-US" sz="1000" dirty="0"/>
                     </a:p>
@@ -11492,11 +11360,7 @@
                     <a:p>
                       <a:r>
                         <a:rPr lang="en-US" sz="1000" dirty="0" smtClean="0"/>
-                        <a:t>L2</a:t>
-                      </a:r>
-                      <a:r>
-                        <a:rPr lang="en-US" sz="1000" dirty="0" smtClean="0"/>
-                        <a:t>-Decay</a:t>
+                        <a:t>L2-Decay</a:t>
                       </a:r>
                       <a:endParaRPr lang="en-US" sz="1000" dirty="0"/>
                     </a:p>
@@ -11801,7 +11665,6 @@
                         <a:rPr lang="en-US" sz="1000" baseline="0" dirty="0" smtClean="0"/>
                         <a:t>L1-Noise-Decay</a:t>
                       </a:r>
-                      <a:endParaRPr lang="en-US" sz="1000" baseline="0" dirty="0" smtClean="0"/>
                     </a:p>
                   </a:txBody>
                   <a:tcPr/>
@@ -11970,7 +11833,6 @@
                         <a:rPr lang="en-US" sz="1000" baseline="0" dirty="0" smtClean="0"/>
                         <a:t>L2-Noise-Decay</a:t>
                       </a:r>
-                      <a:endParaRPr lang="en-US" sz="1000" baseline="0" dirty="0" smtClean="0"/>
                     </a:p>
                   </a:txBody>
                   <a:tcPr/>

--- a/Presentation-DL.pptx
+++ b/Presentation-DL.pptx
@@ -5433,13 +5433,13 @@
             <p:ph idx="1"/>
             <p:extLst>
               <p:ext uri="{D42A27DB-BD31-4B8C-83A1-F6EECF244321}">
-                <p14:modId xmlns:p14="http://schemas.microsoft.com/office/powerpoint/2010/main" val="48016863"/>
+                <p14:modId xmlns:p14="http://schemas.microsoft.com/office/powerpoint/2010/main" val="509278045"/>
               </p:ext>
             </p:extLst>
           </p:nvPr>
         </p:nvGraphicFramePr>
         <p:xfrm>
-          <a:off x="457199" y="3477694"/>
+          <a:off x="457198" y="3951978"/>
           <a:ext cx="8229600" cy="2225040"/>
         </p:xfrm>
         <a:graphic>
@@ -5861,14 +5861,14 @@
       </p:graphicFrame>
       <p:sp>
         <p:nvSpPr>
-          <p:cNvPr id="3" name="TextBox 2"/>
+          <p:cNvPr id="5" name="TextBox 4"/>
           <p:cNvSpPr txBox="1"/>
           <p:nvPr/>
         </p:nvSpPr>
         <p:spPr>
           <a:xfrm>
-            <a:off x="576253" y="1812008"/>
-            <a:ext cx="8364547" cy="1364476"/>
+            <a:off x="457199" y="1698244"/>
+            <a:ext cx="8229599" cy="2146742"/>
           </a:xfrm>
           <a:prstGeom prst="rect">
             <a:avLst/>
@@ -5881,38 +5881,73 @@
           </a:bodyPr>
           <a:lstStyle/>
           <a:p>
-            <a:r>
-              <a:rPr lang="en-US" sz="3200" baseline="30000" dirty="0"/>
+            <a:pPr marL="285750" indent="-285750">
+              <a:lnSpc>
+                <a:spcPct val="150000"/>
+              </a:lnSpc>
+              <a:buFont typeface="Arial"/>
+              <a:buChar char="•"/>
+            </a:pPr>
+            <a:r>
+              <a:rPr lang="en-US" dirty="0"/>
               <a:t>Two hidden layers with 64 units each, and </a:t>
             </a:r>
             <a:r>
-              <a:rPr lang="en-US" sz="3200" baseline="30000" dirty="0" err="1"/>
+              <a:rPr lang="en-US" dirty="0" err="1"/>
               <a:t>ReLU</a:t>
             </a:r>
             <a:r>
-              <a:rPr lang="en-US" sz="3200" baseline="30000" dirty="0"/>
+              <a:rPr lang="en-US" dirty="0"/>
               <a:t> activation functions.</a:t>
             </a:r>
-            <a:endParaRPr lang="en-US" sz="3200" dirty="0"/>
-          </a:p>
-          <a:p>
-            <a:r>
-              <a:rPr lang="en-US" sz="2000" dirty="0" smtClean="0"/>
+          </a:p>
+          <a:p>
+            <a:pPr marL="285750" indent="-285750">
+              <a:lnSpc>
+                <a:spcPct val="150000"/>
+              </a:lnSpc>
+              <a:buFont typeface="Arial"/>
+              <a:buChar char="•"/>
+            </a:pPr>
+            <a:r>
+              <a:rPr lang="en-US" dirty="0"/>
+              <a:t>Kernel initialization: random uniform (-0.05, 0.05)</a:t>
+            </a:r>
+          </a:p>
+          <a:p>
+            <a:pPr marL="285750" indent="-285750">
+              <a:lnSpc>
+                <a:spcPct val="150000"/>
+              </a:lnSpc>
+              <a:buFont typeface="Arial"/>
+              <a:buChar char="•"/>
+            </a:pPr>
+            <a:r>
+              <a:rPr lang="en-US" dirty="0"/>
+              <a:t>Bias initialization: constant 0.1</a:t>
+            </a:r>
+          </a:p>
+          <a:p>
+            <a:pPr marL="285750" indent="-285750">
+              <a:lnSpc>
+                <a:spcPct val="150000"/>
+              </a:lnSpc>
+              <a:buFont typeface="Arial"/>
+              <a:buChar char="•"/>
+            </a:pPr>
+            <a:r>
+              <a:rPr lang="en-US" dirty="0"/>
               <a:t>Randomized </a:t>
             </a:r>
             <a:r>
-              <a:rPr lang="en-US" sz="2000" dirty="0" err="1" smtClean="0"/>
+              <a:rPr lang="en-US" dirty="0" err="1"/>
               <a:t>hyperparameter</a:t>
             </a:r>
             <a:r>
-              <a:rPr lang="en-US" sz="2000" dirty="0" smtClean="0"/>
-              <a:t> search is done for 10 models for each </a:t>
-            </a:r>
-            <a:r>
-              <a:rPr lang="en-US" sz="2000" smtClean="0"/>
-              <a:t>regularization approach.</a:t>
-            </a:r>
-            <a:endParaRPr lang="en-US" sz="2000" dirty="0"/>
+              <a:rPr lang="en-US" dirty="0"/>
+              <a:t> search is done for 10 models for each regularization approach.</a:t>
+            </a:r>
+            <a:endParaRPr lang="en-US" dirty="0"/>
           </a:p>
         </p:txBody>
       </p:sp>
@@ -12257,8 +12292,17 @@
           <a:p>
             <a:r>
               <a:rPr lang="en-US" dirty="0" smtClean="0"/>
-              <a:t>L2 regularization of kernels </a:t>
-            </a:r>
+              <a:t>L2 regularization </a:t>
+            </a:r>
+            <a:r>
+              <a:rPr lang="en-US" smtClean="0"/>
+              <a:t>of </a:t>
+            </a:r>
+            <a:r>
+              <a:rPr lang="en-US"/>
+              <a:t>kernels for all layers </a:t>
+            </a:r>
+            <a:endParaRPr lang="en-US" dirty="0" smtClean="0"/>
           </a:p>
           <a:p>
             <a:endParaRPr lang="en-US" dirty="0" smtClean="0"/>
@@ -12281,13 +12325,29 @@
           <a:p>
             <a:r>
               <a:rPr lang="en-US" dirty="0" smtClean="0"/>
-              <a:t>Kernel initialization: random uniform [0.01, 0.05]</a:t>
-            </a:r>
-          </a:p>
-          <a:p>
+              <a:t>Kernel </a:t>
+            </a:r>
             <a:r>
               <a:rPr lang="en-US" dirty="0" smtClean="0"/>
-              <a:t>Bias initialization: constant 0.1</a:t>
+              <a:t>initialization for all layers: </a:t>
+            </a:r>
+            <a:r>
+              <a:rPr lang="en-US" dirty="0" smtClean="0"/>
+              <a:t>random uniform [0.01, 0.05]</a:t>
+            </a:r>
+          </a:p>
+          <a:p>
+            <a:r>
+              <a:rPr lang="en-US" dirty="0" smtClean="0"/>
+              <a:t>Bias </a:t>
+            </a:r>
+            <a:r>
+              <a:rPr lang="en-US" dirty="0"/>
+              <a:t>initialization for all layers: </a:t>
+            </a:r>
+            <a:r>
+              <a:rPr lang="en-US" dirty="0" smtClean="0"/>
+              <a:t>constant 0.1</a:t>
             </a:r>
           </a:p>
           <a:p>
